--- a/Материалы презентации/МойКрасноярск.pptx
+++ b/Материалы презентации/МойКрасноярск.pptx
@@ -1,29 +1,50 @@
 
 <file path=ppt/presentation.xml><?xml version="1.0" encoding="utf-8"?>
-<p:presentation xmlns:a="http://schemas.openxmlformats.org/drawingml/2006/main" xmlns:r="http://schemas.openxmlformats.org/officeDocument/2006/relationships" xmlns:p="http://schemas.openxmlformats.org/presentationml/2006/main" xmlns:m="http://schemas.openxmlformats.org/officeDocument/2006/math" xmlns:w="http://schemas.openxmlformats.org/wordprocessingml/2006/main">
+<p:presentation xmlns:a="http://schemas.openxmlformats.org/drawingml/2006/main" xmlns:r="http://schemas.openxmlformats.org/officeDocument/2006/relationships" xmlns:p="http://schemas.openxmlformats.org/presentationml/2006/main">
   <p:sldMasterIdLst>
     <p:sldMasterId id="2147483648" r:id="rId1"/>
   </p:sldMasterIdLst>
   <p:notesMasterIdLst>
-    <p:notesMasterId r:id="rId8"/>
+    <p:notesMasterId r:id="rId6"/>
   </p:notesMasterIdLst>
   <p:sldIdLst>
-    <p:sldId id="256" r:id="rId4"/>
-    <p:sldId id="257" r:id="rId5"/>
-    <p:sldId id="258" r:id="rId6"/>
-    <p:sldId id="259" r:id="rId7"/>
+    <p:sldId id="256" r:id="rId2"/>
+    <p:sldId id="257" r:id="rId3"/>
+    <p:sldId id="258" r:id="rId4"/>
+    <p:sldId id="259" r:id="rId5"/>
   </p:sldIdLst>
-  <p:sldSz cx="9143424" cy="5144075" type="custom"/>
+  <p:sldSz cx="9144000" cy="5143500" type="screen16x9"/>
   <p:notesSz cx="6858000" cy="9144000"/>
   <p:defaultTextStyle>
     <a:defPPr/>
   </p:defaultTextStyle>
+  <p:extLst>
+    <p:ext uri="{EFAFB233-063F-42B5-8137-9DF3F51BA10A}">
+      <p15:sldGuideLst xmlns:p15="http://schemas.microsoft.com/office/powerpoint/2012/main">
+        <p15:guide id="1" orient="horz" pos="2160">
+          <p15:clr>
+            <a:srgbClr val="A4A3A4"/>
+          </p15:clr>
+        </p15:guide>
+        <p15:guide id="2" pos="2880">
+          <p15:clr>
+            <a:srgbClr val="A4A3A4"/>
+          </p15:clr>
+        </p15:guide>
+      </p15:sldGuideLst>
+    </p:ext>
+  </p:extLst>
 </p:presentation>
 </file>
 
 <file path=ppt/notesMasters/notesMaster1.xml><?xml version="1.0" encoding="utf-8"?>
 <p:notesMaster xmlns:a="http://schemas.openxmlformats.org/drawingml/2006/main" xmlns:r="http://schemas.openxmlformats.org/officeDocument/2006/relationships" xmlns:p="http://schemas.openxmlformats.org/presentationml/2006/main">
   <p:cSld>
+    <p:bg>
+      <p:bgRef idx="1001">
+        <a:schemeClr val="bg1"/>
+      </p:bgRef>
+    </p:bg>
     <p:spTree>
       <p:nvGrpSpPr>
         <p:cNvPr id="1" name="noGroup"/>
@@ -46,7 +67,7 @@
 </file>
 
 <file path=ppt/notesSlides/notesSlide1.xml><?xml version="1.0" encoding="utf-8"?>
-<p:notes xmlns:a="http://schemas.openxmlformats.org/drawingml/2006/main" xmlns:r="http://schemas.openxmlformats.org/officeDocument/2006/relationships" xmlns:p="http://schemas.openxmlformats.org/presentationml/2006/main" xmlns:m="http://schemas.openxmlformats.org/officeDocument/2006/math" xmlns:w="http://schemas.openxmlformats.org/wordprocessingml/2006/main">
+<p:notes xmlns:a="http://schemas.openxmlformats.org/drawingml/2006/main" xmlns:r="http://schemas.openxmlformats.org/officeDocument/2006/relationships" xmlns:p="http://schemas.openxmlformats.org/presentationml/2006/main">
   <p:cSld>
     <p:spTree>
       <p:nvGrpSpPr>
@@ -65,7 +86,9 @@
       <p:sp>
         <p:nvSpPr>
           <p:cNvPr id="2" name="Notes Placeholder 2"/>
-          <p:cNvSpPr txBox="1"/>
+          <p:cNvSpPr txBox="1">
+            <a:spLocks noGrp="1"/>
+          </p:cNvSpPr>
           <p:nvPr>
             <p:ph type="body" idx="4294967295"/>
           </p:nvPr>
@@ -97,7 +120,7 @@
 </file>
 
 <file path=ppt/notesSlides/notesSlide2.xml><?xml version="1.0" encoding="utf-8"?>
-<p:notes xmlns:a="http://schemas.openxmlformats.org/drawingml/2006/main" xmlns:r="http://schemas.openxmlformats.org/officeDocument/2006/relationships" xmlns:p="http://schemas.openxmlformats.org/presentationml/2006/main" xmlns:m="http://schemas.openxmlformats.org/officeDocument/2006/math" xmlns:w="http://schemas.openxmlformats.org/wordprocessingml/2006/main">
+<p:notes xmlns:a="http://schemas.openxmlformats.org/drawingml/2006/main" xmlns:r="http://schemas.openxmlformats.org/officeDocument/2006/relationships" xmlns:p="http://schemas.openxmlformats.org/presentationml/2006/main">
   <p:cSld>
     <p:spTree>
       <p:nvGrpSpPr>
@@ -116,7 +139,9 @@
       <p:sp>
         <p:nvSpPr>
           <p:cNvPr id="2" name="Notes Placeholder 2"/>
-          <p:cNvSpPr txBox="1"/>
+          <p:cNvSpPr txBox="1">
+            <a:spLocks noGrp="1"/>
+          </p:cNvSpPr>
           <p:nvPr>
             <p:ph type="body" idx="4294967295"/>
           </p:nvPr>
@@ -148,7 +173,7 @@
 </file>
 
 <file path=ppt/notesSlides/notesSlide3.xml><?xml version="1.0" encoding="utf-8"?>
-<p:notes xmlns:a="http://schemas.openxmlformats.org/drawingml/2006/main" xmlns:r="http://schemas.openxmlformats.org/officeDocument/2006/relationships" xmlns:p="http://schemas.openxmlformats.org/presentationml/2006/main" xmlns:m="http://schemas.openxmlformats.org/officeDocument/2006/math" xmlns:w="http://schemas.openxmlformats.org/wordprocessingml/2006/main">
+<p:notes xmlns:a="http://schemas.openxmlformats.org/drawingml/2006/main" xmlns:r="http://schemas.openxmlformats.org/officeDocument/2006/relationships" xmlns:p="http://schemas.openxmlformats.org/presentationml/2006/main">
   <p:cSld>
     <p:spTree>
       <p:nvGrpSpPr>
@@ -167,7 +192,9 @@
       <p:sp>
         <p:nvSpPr>
           <p:cNvPr id="2" name="Notes Placeholder 2"/>
-          <p:cNvSpPr txBox="1"/>
+          <p:cNvSpPr txBox="1">
+            <a:spLocks noGrp="1"/>
+          </p:cNvSpPr>
           <p:nvPr>
             <p:ph type="body" idx="4294967295"/>
           </p:nvPr>
@@ -199,7 +226,7 @@
 </file>
 
 <file path=ppt/notesSlides/notesSlide4.xml><?xml version="1.0" encoding="utf-8"?>
-<p:notes xmlns:a="http://schemas.openxmlformats.org/drawingml/2006/main" xmlns:r="http://schemas.openxmlformats.org/officeDocument/2006/relationships" xmlns:p="http://schemas.openxmlformats.org/presentationml/2006/main" xmlns:m="http://schemas.openxmlformats.org/officeDocument/2006/math" xmlns:w="http://schemas.openxmlformats.org/wordprocessingml/2006/main">
+<p:notes xmlns:a="http://schemas.openxmlformats.org/drawingml/2006/main" xmlns:r="http://schemas.openxmlformats.org/officeDocument/2006/relationships" xmlns:p="http://schemas.openxmlformats.org/presentationml/2006/main">
   <p:cSld>
     <p:spTree>
       <p:nvGrpSpPr>
@@ -218,7 +245,9 @@
       <p:sp>
         <p:nvSpPr>
           <p:cNvPr id="2" name="Notes Placeholder 2"/>
-          <p:cNvSpPr txBox="1"/>
+          <p:cNvSpPr txBox="1">
+            <a:spLocks noGrp="1"/>
+          </p:cNvSpPr>
           <p:nvPr>
             <p:ph type="body" idx="4294967295"/>
           </p:nvPr>
@@ -250,7 +279,7 @@
 </file>
 
 <file path=ppt/slideLayouts/slideLayout1.xml><?xml version="1.0" encoding="utf-8"?>
-<p:sldLayout xmlns:a="http://schemas.openxmlformats.org/drawingml/2006/main" xmlns:r="http://schemas.openxmlformats.org/officeDocument/2006/relationships" xmlns:p="http://schemas.openxmlformats.org/presentationml/2006/main" xmlns:m="http://schemas.openxmlformats.org/officeDocument/2006/math" xmlns:w="http://schemas.openxmlformats.org/wordprocessingml/2006/main">
+<p:sldLayout xmlns:a="http://schemas.openxmlformats.org/drawingml/2006/main" xmlns:r="http://schemas.openxmlformats.org/officeDocument/2006/relationships" xmlns:p="http://schemas.openxmlformats.org/presentationml/2006/main">
   <p:cSld name="__Master1-Layout1-cust-DEFAULT">
     <p:spTree>
       <p:nvGrpSpPr>
@@ -275,13 +304,14 @@
 </file>
 
 <file path=ppt/slideMasters/slideMaster1.xml><?xml version="1.0" encoding="utf-8"?>
-<p:sldMaster xmlns:a="http://schemas.openxmlformats.org/drawingml/2006/main" xmlns:r="http://schemas.openxmlformats.org/officeDocument/2006/relationships" xmlns:p="http://schemas.openxmlformats.org/presentationml/2006/main" xmlns:m="http://schemas.openxmlformats.org/officeDocument/2006/math" xmlns:w="http://schemas.openxmlformats.org/wordprocessingml/2006/main">
+<p:sldMaster xmlns:a="http://schemas.openxmlformats.org/drawingml/2006/main" xmlns:r="http://schemas.openxmlformats.org/officeDocument/2006/relationships" xmlns:p="http://schemas.openxmlformats.org/presentationml/2006/main">
   <p:cSld>
     <p:bg>
       <p:bgPr>
         <a:solidFill>
           <a:srgbClr val="FFFFFF"/>
         </a:solidFill>
+        <a:effectLst/>
       </p:bgPr>
     </p:bg>
     <p:spTree>
@@ -313,13 +343,14 @@
 </file>
 
 <file path=ppt/slides/slide1.xml><?xml version="1.0" encoding="utf-8"?>
-<p:sld xmlns:a="http://schemas.openxmlformats.org/drawingml/2006/main" xmlns:r="http://schemas.openxmlformats.org/officeDocument/2006/relationships" xmlns:p="http://schemas.openxmlformats.org/presentationml/2006/main" xmlns:m="http://schemas.openxmlformats.org/officeDocument/2006/math" xmlns:w="http://schemas.openxmlformats.org/wordprocessingml/2006/main" xmlns:mc="http://schemas.openxmlformats.org/markup-compatibility/2006" show="1">
+<p:sld xmlns:a="http://schemas.openxmlformats.org/drawingml/2006/main" xmlns:r="http://schemas.openxmlformats.org/officeDocument/2006/relationships" xmlns:p="http://schemas.openxmlformats.org/presentationml/2006/main">
   <p:cSld name="Slide 1">
     <p:bg>
       <p:bgPr>
         <a:solidFill>
           <a:srgbClr val="FFFFFF"/>
         </a:solidFill>
+        <a:effectLst/>
       </p:bgPr>
     </p:bg>
     <p:spTree>
@@ -338,7 +369,7 @@
       </p:grpSpPr>
       <p:pic>
         <p:nvPicPr>
-          <p:cNvPr id="2" name=""/>
+          <p:cNvPr id="2" name="Рисунок 1"/>
           <p:cNvPicPr/>
           <p:nvPr/>
         </p:nvPicPr>
@@ -574,17 +605,7 @@
                 <a:latin typeface="Inter"/>
                 <a:cs typeface="Inter"/>
               </a:rPr>
-              <a:t>GitHub: </a:t>
-            </a:r>
-            <a:r>
-              <a:rPr lang="en-US" sz="1350" u="none" spc="-11">
-                <a:solidFill>
-                  <a:srgbClr val="518CD4"/>
-                </a:solidFill>
-                <a:latin typeface="Inter"/>
-                <a:cs typeface="Inter"/>
-              </a:rPr>
-              <a:t>https://github.com/Petrowf/pro_techno_hack</a:t>
+              <a:t>GitHub: https://github.com/Petrowf/pro_techno_hack</a:t>
             </a:r>
             <a:endParaRPr/>
           </a:p>
@@ -599,13 +620,14 @@
 </file>
 
 <file path=ppt/slides/slide2.xml><?xml version="1.0" encoding="utf-8"?>
-<p:sld xmlns:a="http://schemas.openxmlformats.org/drawingml/2006/main" xmlns:r="http://schemas.openxmlformats.org/officeDocument/2006/relationships" xmlns:p="http://schemas.openxmlformats.org/presentationml/2006/main" xmlns:m="http://schemas.openxmlformats.org/officeDocument/2006/math" xmlns:w="http://schemas.openxmlformats.org/wordprocessingml/2006/main" xmlns:mc="http://schemas.openxmlformats.org/markup-compatibility/2006" show="1">
+<p:sld xmlns:a="http://schemas.openxmlformats.org/drawingml/2006/main" xmlns:r="http://schemas.openxmlformats.org/officeDocument/2006/relationships" xmlns:p="http://schemas.openxmlformats.org/presentationml/2006/main">
   <p:cSld name="Slide 2">
     <p:bg>
       <p:bgPr>
         <a:solidFill>
           <a:srgbClr val="FFFFFF"/>
         </a:solidFill>
+        <a:effectLst/>
       </p:bgPr>
     </p:bg>
     <p:spTree>
@@ -629,7 +651,7 @@
           <p:nvPr/>
         </p:nvPicPr>
         <p:blipFill>
-          <a:blip r:embed="rId3"/>
+          <a:blip r:embed="rId5"/>
           <a:stretch/>
         </p:blipFill>
         <p:spPr>
@@ -650,8 +672,8 @@
           <p:nvPr/>
         </p:nvSpPr>
         <p:spPr>
-          <a:xfrm>
-            <a:off x="445651" y="787270"/>
+          <a:xfrm rot="16200000">
+            <a:off x="-1142346" y="2331573"/>
             <a:ext cx="3988548" cy="495328"/>
           </a:xfrm>
           <a:custGeom>
@@ -700,7 +722,7 @@
               </a:spcAft>
             </a:pPr>
             <a:r>
-              <a:rPr lang="en-US" sz="2800" u="none" spc="-65">
+              <a:rPr lang="en-US" sz="2800" u="none" spc="-65" dirty="0" err="1">
                 <a:solidFill>
                   <a:srgbClr val="518CD4"/>
                 </a:solidFill>
@@ -709,7 +731,7 @@
               </a:rPr>
               <a:t>Прототип</a:t>
             </a:r>
-            <a:endParaRPr/>
+            <a:endParaRPr dirty="0"/>
           </a:p>
         </p:txBody>
       </p:sp>
@@ -807,17 +829,7 @@
                 <a:latin typeface="JetBrains Mono"/>
                 <a:cs typeface="JetBrains Mono"/>
               </a:rPr>
-              <a:t>Client: </a:t>
-            </a:r>
-            <a:r>
-              <a:rPr sz="1600">
-                <a:solidFill>
-                  <a:srgbClr val="518CD4"/>
-                </a:solidFill>
-                <a:latin typeface="JetBrains Mono"/>
-                <a:cs typeface="JetBrains Mono"/>
-              </a:rPr>
-              <a:t>Kotlin</a:t>
+              <a:t>Client: Kotlin</a:t>
             </a:r>
             <a:endParaRPr sz="1600"/>
           </a:p>
@@ -979,17 +991,7 @@
                 <a:latin typeface="JetBrains Mono"/>
                 <a:cs typeface="JetBrains Mono"/>
               </a:rPr>
-              <a:t>Отсутствие оповещений</a:t>
-            </a:r>
-            <a:r>
-              <a:rPr sz="1600">
-                <a:solidFill>
-                  <a:srgbClr val="518CD4"/>
-                </a:solidFill>
-                <a:latin typeface="JetBrains Mono"/>
-                <a:cs typeface="JetBrains Mono"/>
-              </a:rPr>
-              <a:t> </a:t>
+              <a:t>Отсутствие оповещений </a:t>
             </a:r>
             <a:r>
               <a:rPr lang="en-US" sz="1600" u="none" strike="noStrike" spc="0">
@@ -1103,22 +1105,136 @@
           </a:p>
         </p:txBody>
       </p:sp>
+      <p:pic>
+        <p:nvPicPr>
+          <p:cNvPr id="9" name="Прототип">
+            <a:hlinkClick r:id="" action="ppaction://media"/>
+          </p:cNvPr>
+          <p:cNvPicPr>
+            <a:picLocks noChangeAspect="1"/>
+          </p:cNvPicPr>
+          <p:nvPr>
+            <a:videoFile r:link="rId2"/>
+            <p:extLst>
+              <p:ext uri="{DAA4B4D4-6D71-4841-9C94-3DE7FCFB9230}">
+                <p14:media xmlns:p14="http://schemas.microsoft.com/office/powerpoint/2010/main" r:embed="rId1"/>
+              </p:ext>
+            </p:extLst>
+          </p:nvPr>
+        </p:nvPicPr>
+        <p:blipFill>
+          <a:blip r:embed="rId6"/>
+          <a:stretch>
+            <a:fillRect/>
+          </a:stretch>
+        </p:blipFill>
+        <p:spPr>
+          <a:xfrm>
+            <a:off x="1571162" y="516626"/>
+            <a:ext cx="1929317" cy="4287371"/>
+          </a:xfrm>
+          <a:prstGeom prst="rect">
+            <a:avLst/>
+          </a:prstGeom>
+        </p:spPr>
+      </p:pic>
     </p:spTree>
   </p:cSld>
   <p:clrMapOvr>
     <a:masterClrMapping/>
   </p:clrMapOvr>
+  <p:timing>
+    <p:tnLst>
+      <p:par>
+        <p:cTn id="1" dur="indefinite" restart="never" nodeType="tmRoot">
+          <p:childTnLst>
+            <p:seq concurrent="1" nextAc="seek">
+              <p:cTn id="2" restart="whenNotActive" fill="hold" evtFilter="cancelBubble" nodeType="interactiveSeq">
+                <p:stCondLst>
+                  <p:cond evt="onClick" delay="0">
+                    <p:tgtEl>
+                      <p:spTgt spid="9"/>
+                    </p:tgtEl>
+                  </p:cond>
+                </p:stCondLst>
+                <p:endSync evt="end" delay="0">
+                  <p:rtn val="all"/>
+                </p:endSync>
+                <p:childTnLst>
+                  <p:par>
+                    <p:cTn id="3" fill="hold">
+                      <p:stCondLst>
+                        <p:cond delay="0"/>
+                      </p:stCondLst>
+                      <p:childTnLst>
+                        <p:par>
+                          <p:cTn id="4" fill="hold">
+                            <p:stCondLst>
+                              <p:cond delay="0"/>
+                            </p:stCondLst>
+                            <p:childTnLst>
+                              <p:par>
+                                <p:cTn id="5" presetID="2" presetClass="mediacall" presetSubtype="0" fill="hold" nodeType="clickEffect">
+                                  <p:stCondLst>
+                                    <p:cond delay="0"/>
+                                  </p:stCondLst>
+                                  <p:childTnLst>
+                                    <p:cmd type="call" cmd="togglePause">
+                                      <p:cBhvr>
+                                        <p:cTn id="6" dur="1" fill="hold"/>
+                                        <p:tgtEl>
+                                          <p:spTgt spid="9"/>
+                                        </p:tgtEl>
+                                      </p:cBhvr>
+                                    </p:cmd>
+                                  </p:childTnLst>
+                                </p:cTn>
+                              </p:par>
+                            </p:childTnLst>
+                          </p:cTn>
+                        </p:par>
+                      </p:childTnLst>
+                    </p:cTn>
+                  </p:par>
+                </p:childTnLst>
+              </p:cTn>
+              <p:nextCondLst>
+                <p:cond evt="onClick" delay="0">
+                  <p:tgtEl>
+                    <p:spTgt spid="9"/>
+                  </p:tgtEl>
+                </p:cond>
+              </p:nextCondLst>
+            </p:seq>
+            <p:video>
+              <p:cMediaNode vol="80000">
+                <p:cTn id="7" fill="hold" display="0">
+                  <p:stCondLst>
+                    <p:cond delay="indefinite"/>
+                  </p:stCondLst>
+                </p:cTn>
+                <p:tgtEl>
+                  <p:spTgt spid="9"/>
+                </p:tgtEl>
+              </p:cMediaNode>
+            </p:video>
+          </p:childTnLst>
+        </p:cTn>
+      </p:par>
+    </p:tnLst>
+  </p:timing>
 </p:sld>
 </file>
 
 <file path=ppt/slides/slide3.xml><?xml version="1.0" encoding="utf-8"?>
-<p:sld xmlns:a="http://schemas.openxmlformats.org/drawingml/2006/main" xmlns:r="http://schemas.openxmlformats.org/officeDocument/2006/relationships" xmlns:p="http://schemas.openxmlformats.org/presentationml/2006/main" xmlns:m="http://schemas.openxmlformats.org/officeDocument/2006/math" xmlns:w="http://schemas.openxmlformats.org/wordprocessingml/2006/main" xmlns:mc="http://schemas.openxmlformats.org/markup-compatibility/2006" show="1">
+<p:sld xmlns:a="http://schemas.openxmlformats.org/drawingml/2006/main" xmlns:r="http://schemas.openxmlformats.org/officeDocument/2006/relationships" xmlns:p="http://schemas.openxmlformats.org/presentationml/2006/main">
   <p:cSld name="Slide 2">
     <p:bg>
       <p:bgPr>
         <a:solidFill>
           <a:srgbClr val="FFFFFF"/>
         </a:solidFill>
+        <a:effectLst/>
       </p:bgPr>
     </p:bg>
     <p:spTree>
@@ -1302,17 +1418,7 @@
                 <a:latin typeface="JetBrains Mono"/>
                 <a:cs typeface="JetBrains Mono"/>
               </a:rPr>
-              <a:t>Стоимость: 400000 руб</a:t>
-            </a:r>
-            <a:r>
-              <a:rPr sz="1600">
-                <a:solidFill>
-                  <a:srgbClr val="518CD4"/>
-                </a:solidFill>
-                <a:latin typeface="JetBrains Mono"/>
-                <a:cs typeface="JetBrains Mono"/>
-              </a:rPr>
-              <a:t>.</a:t>
+              <a:t>Стоимость: 400000 руб.</a:t>
             </a:r>
             <a:endParaRPr sz="1600"/>
           </a:p>
@@ -1464,17 +1570,7 @@
                 <a:latin typeface="JetBrains Mono"/>
                 <a:cs typeface="JetBrains Mono"/>
               </a:rPr>
-              <a:t>Д</a:t>
-            </a:r>
-            <a:r>
-              <a:rPr sz="1600">
-                <a:solidFill>
-                  <a:srgbClr val="518CD4"/>
-                </a:solidFill>
-                <a:latin typeface="JetBrains Mono"/>
-                <a:cs typeface="JetBrains Mono"/>
-              </a:rPr>
-              <a:t>обавление отслеживаемых адресов пользователем</a:t>
+              <a:t>Добавление отслеживаемых адресов пользователем</a:t>
             </a:r>
             <a:endParaRPr sz="1600"/>
           </a:p>
@@ -1629,17 +1725,7 @@
                 <a:latin typeface="JetBrains Mono"/>
                 <a:cs typeface="JetBrains Mono"/>
               </a:rPr>
-              <a:t>Об</a:t>
-            </a:r>
-            <a:r>
-              <a:rPr sz="1600">
-                <a:solidFill>
-                  <a:srgbClr val="518CD4"/>
-                </a:solidFill>
-                <a:latin typeface="JetBrains Mono"/>
-                <a:cs typeface="JetBrains Mono"/>
-              </a:rPr>
-              <a:t>работка жалоб от жителей</a:t>
+              <a:t>Обработка жалоб от жителей</a:t>
             </a:r>
             <a:endParaRPr sz="1600"/>
           </a:p>
@@ -1767,13 +1853,14 @@
 </file>
 
 <file path=ppt/slides/slide4.xml><?xml version="1.0" encoding="utf-8"?>
-<p:sld xmlns:a="http://schemas.openxmlformats.org/drawingml/2006/main" xmlns:r="http://schemas.openxmlformats.org/officeDocument/2006/relationships" xmlns:p="http://schemas.openxmlformats.org/presentationml/2006/main" xmlns:m="http://schemas.openxmlformats.org/officeDocument/2006/math" xmlns:w="http://schemas.openxmlformats.org/wordprocessingml/2006/main" xmlns:mc="http://schemas.openxmlformats.org/markup-compatibility/2006" show="1">
+<p:sld xmlns:a="http://schemas.openxmlformats.org/drawingml/2006/main" xmlns:r="http://schemas.openxmlformats.org/officeDocument/2006/relationships" xmlns:p="http://schemas.openxmlformats.org/presentationml/2006/main">
   <p:cSld name="Slide 1">
     <p:bg>
       <p:bgPr>
         <a:solidFill>
           <a:srgbClr val="FFFFFF"/>
         </a:solidFill>
+        <a:effectLst/>
       </p:bgPr>
     </p:bg>
     <p:spTree>
@@ -1792,7 +1879,7 @@
       </p:grpSpPr>
       <p:pic>
         <p:nvPicPr>
-          <p:cNvPr id="2" name=""/>
+          <p:cNvPr id="2" name="Рисунок 1"/>
           <p:cNvPicPr/>
           <p:nvPr/>
         </p:nvPicPr>
@@ -2009,7 +2096,7 @@
 </file>
 
 <file path=ppt/theme/theme1.xml><?xml version="1.0" encoding="utf-8"?>
-<a:theme xmlns:a="http://schemas.openxmlformats.org/drawingml/2006/main" xmlns:r="http://schemas.openxmlformats.org/officeDocument/2006/relationships" xmlns:p="http://schemas.openxmlformats.org/presentationml/2006/main" name="__Master1-Layout1-cust-DEFAULT">
+<a:theme xmlns:a="http://schemas.openxmlformats.org/drawingml/2006/main" name="__Master1-Layout1-cust-DEFAULT">
   <a:themeElements>
     <a:clrScheme name="__Master1-Layout1-cust-DEFAULT">
       <a:dk1>
@@ -2209,11 +2296,12 @@
     </a:fmtScheme>
   </a:themeElements>
   <a:objectDefaults/>
+  <a:extraClrSchemeLst/>
 </a:theme>
 </file>
 
 <file path=ppt/theme/theme2.xml><?xml version="1.0" encoding="utf-8"?>
-<a:theme xmlns:a="http://schemas.openxmlformats.org/drawingml/2006/main" xmlns:r="http://schemas.openxmlformats.org/officeDocument/2006/relationships" xmlns:p="http://schemas.openxmlformats.org/presentationml/2006/main" name="User Theme: 2">
+<a:theme xmlns:a="http://schemas.openxmlformats.org/drawingml/2006/main" name="User Theme: 2">
   <a:themeElements>
     <a:clrScheme name="User Theme: 2">
       <a:dk1>
@@ -2413,5 +2501,6 @@
     </a:fmtScheme>
   </a:themeElements>
   <a:objectDefaults/>
+  <a:extraClrSchemeLst/>
 </a:theme>
 </file>